--- a/docs/Notifications Webflux Reative App.pptx
+++ b/docs/Notifications Webflux Reative App.pptx
@@ -5,17 +5,16 @@
     <p:sldMasterId id="2147483672" r:id="rId4"/>
   </p:sldMasterIdLst>
   <p:notesMasterIdLst>
-    <p:notesMasterId r:id="rId10"/>
+    <p:notesMasterId r:id="rId9"/>
   </p:notesMasterIdLst>
   <p:handoutMasterIdLst>
-    <p:handoutMasterId r:id="rId11"/>
+    <p:handoutMasterId r:id="rId10"/>
   </p:handoutMasterIdLst>
   <p:sldIdLst>
     <p:sldId id="256" r:id="rId5"/>
-    <p:sldId id="263" r:id="rId6"/>
-    <p:sldId id="264" r:id="rId7"/>
-    <p:sldId id="257" r:id="rId8"/>
-    <p:sldId id="260" r:id="rId9"/>
+    <p:sldId id="264" r:id="rId6"/>
+    <p:sldId id="257" r:id="rId7"/>
+    <p:sldId id="260" r:id="rId8"/>
   </p:sldIdLst>
   <p:sldSz cx="12192000" cy="6858000"/>
   <p:notesSz cx="6858000" cy="9144000"/>
@@ -812,7 +811,7 @@
           <a:p>
             <a:fld id="{C6B3AB32-59DF-41F1-9618-EDFBF5049629}" type="slidenum">
               <a:rPr lang="en-US" smtClean="0"/>
-              <a:t>5</a:t>
+              <a:t>4</a:t>
             </a:fld>
             <a:endParaRPr lang="en-US" dirty="0"/>
           </a:p>
@@ -5076,803 +5075,6 @@
 </file>
 
 <file path=ppt/slides/slide2.xml><?xml version="1.0" encoding="utf-8"?>
-<p:sld xmlns:a="http://schemas.openxmlformats.org/drawingml/2006/main" xmlns:r="http://schemas.openxmlformats.org/officeDocument/2006/relationships" xmlns:p="http://schemas.openxmlformats.org/presentationml/2006/main">
-  <p:cSld>
-    <p:spTree>
-      <p:nvGrpSpPr>
-        <p:cNvPr id="1" name=""/>
-        <p:cNvGrpSpPr/>
-        <p:nvPr/>
-      </p:nvGrpSpPr>
-      <p:grpSpPr>
-        <a:xfrm>
-          <a:off x="0" y="0"/>
-          <a:ext cx="0" cy="0"/>
-          <a:chOff x="0" y="0"/>
-          <a:chExt cx="0" cy="0"/>
-        </a:xfrm>
-      </p:grpSpPr>
-      <p:grpSp>
-        <p:nvGrpSpPr>
-          <p:cNvPr id="35" name="Agrupar 34">
-            <a:extLst>
-              <a:ext uri="{FF2B5EF4-FFF2-40B4-BE49-F238E27FC236}">
-                <a16:creationId xmlns:a16="http://schemas.microsoft.com/office/drawing/2014/main" id="{0B943180-40BF-49C6-DDD5-892C2B06DA9A}"/>
-              </a:ext>
-            </a:extLst>
-          </p:cNvPr>
-          <p:cNvGrpSpPr/>
-          <p:nvPr/>
-        </p:nvGrpSpPr>
-        <p:grpSpPr>
-          <a:xfrm>
-            <a:off x="241581" y="1406013"/>
-            <a:ext cx="6129492" cy="5150234"/>
-            <a:chOff x="241581" y="1406013"/>
-            <a:chExt cx="6129492" cy="5150234"/>
-          </a:xfrm>
-        </p:grpSpPr>
-        <p:pic>
-          <p:nvPicPr>
-            <p:cNvPr id="36" name="Picture 4" descr="Docker: Compose. Explorando o Docker Compose | by Hugo Habbema | Medium">
-              <a:extLst>
-                <a:ext uri="{FF2B5EF4-FFF2-40B4-BE49-F238E27FC236}">
-                  <a16:creationId xmlns:a16="http://schemas.microsoft.com/office/drawing/2014/main" id="{6EDA9BB2-B73C-0737-9CD9-4084903B9D7A}"/>
-                </a:ext>
-              </a:extLst>
-            </p:cNvPr>
-            <p:cNvPicPr>
-              <a:picLocks noChangeAspect="1" noChangeArrowheads="1"/>
-            </p:cNvPicPr>
-            <p:nvPr/>
-          </p:nvPicPr>
-          <p:blipFill>
-            <a:blip r:embed="rId2">
-              <a:extLst>
-                <a:ext uri="{28A0092B-C50C-407E-A947-70E740481C1C}">
-                  <a14:useLocalDpi xmlns:a14="http://schemas.microsoft.com/office/drawing/2010/main" val="0"/>
-                </a:ext>
-              </a:extLst>
-            </a:blip>
-            <a:srcRect/>
-            <a:stretch>
-              <a:fillRect/>
-            </a:stretch>
-          </p:blipFill>
-          <p:spPr bwMode="auto">
-            <a:xfrm>
-              <a:off x="1328657" y="1701410"/>
-              <a:ext cx="3842782" cy="1838368"/>
-            </a:xfrm>
-            <a:prstGeom prst="rect">
-              <a:avLst/>
-            </a:prstGeom>
-            <a:noFill/>
-            <a:extLst>
-              <a:ext uri="{909E8E84-426E-40DD-AFC4-6F175D3DCCD1}">
-                <a14:hiddenFill xmlns:a14="http://schemas.microsoft.com/office/drawing/2010/main">
-                  <a:solidFill>
-                    <a:srgbClr val="FFFFFF"/>
-                  </a:solidFill>
-                </a14:hiddenFill>
-              </a:ext>
-            </a:extLst>
-          </p:spPr>
-        </p:pic>
-        <p:sp>
-          <p:nvSpPr>
-            <p:cNvPr id="37" name="Fluxograma: Processo 36">
-              <a:extLst>
-                <a:ext uri="{FF2B5EF4-FFF2-40B4-BE49-F238E27FC236}">
-                  <a16:creationId xmlns:a16="http://schemas.microsoft.com/office/drawing/2014/main" id="{57D97336-896F-2477-FBEF-B9945DA10E09}"/>
-                </a:ext>
-              </a:extLst>
-            </p:cNvPr>
-            <p:cNvSpPr/>
-            <p:nvPr/>
-          </p:nvSpPr>
-          <p:spPr>
-            <a:xfrm>
-              <a:off x="241581" y="1406013"/>
-              <a:ext cx="6129492" cy="5150234"/>
-            </a:xfrm>
-            <a:prstGeom prst="flowChartProcess">
-              <a:avLst/>
-            </a:prstGeom>
-            <a:noFill/>
-          </p:spPr>
-          <p:style>
-            <a:lnRef idx="2">
-              <a:schemeClr val="accent1">
-                <a:shade val="15000"/>
-              </a:schemeClr>
-            </a:lnRef>
-            <a:fillRef idx="1">
-              <a:schemeClr val="accent1"/>
-            </a:fillRef>
-            <a:effectRef idx="0">
-              <a:schemeClr val="accent1"/>
-            </a:effectRef>
-            <a:fontRef idx="minor">
-              <a:schemeClr val="lt1"/>
-            </a:fontRef>
-          </p:style>
-          <p:txBody>
-            <a:bodyPr rtlCol="0" anchor="ctr"/>
-            <a:lstStyle/>
-            <a:p>
-              <a:pPr algn="ctr"/>
-              <a:endParaRPr lang="en-US" dirty="0"/>
-            </a:p>
-          </p:txBody>
-        </p:sp>
-      </p:grpSp>
-      <p:sp>
-        <p:nvSpPr>
-          <p:cNvPr id="4" name="AutoShape 2">
-            <a:extLst>
-              <a:ext uri="{FF2B5EF4-FFF2-40B4-BE49-F238E27FC236}">
-                <a16:creationId xmlns:a16="http://schemas.microsoft.com/office/drawing/2014/main" id="{9DFAC3A3-0B98-49E9-08B1-58BEE065B811}"/>
-              </a:ext>
-            </a:extLst>
-          </p:cNvPr>
-          <p:cNvSpPr>
-            <a:spLocks noChangeAspect="1" noChangeArrowheads="1"/>
-          </p:cNvSpPr>
-          <p:nvPr/>
-        </p:nvSpPr>
-        <p:spPr bwMode="auto">
-          <a:xfrm>
-            <a:off x="5943600" y="3276600"/>
-            <a:ext cx="304800" cy="304800"/>
-          </a:xfrm>
-          <a:prstGeom prst="rect">
-            <a:avLst/>
-          </a:prstGeom>
-          <a:noFill/>
-          <a:extLst>
-            <a:ext uri="{909E8E84-426E-40DD-AFC4-6F175D3DCCD1}">
-              <a14:hiddenFill xmlns:a14="http://schemas.microsoft.com/office/drawing/2010/main">
-                <a:solidFill>
-                  <a:srgbClr val="FFFFFF"/>
-                </a:solidFill>
-              </a14:hiddenFill>
-            </a:ext>
-          </a:extLst>
-        </p:spPr>
-        <p:txBody>
-          <a:bodyPr vert="horz" wrap="square" lIns="91440" tIns="45720" rIns="91440" bIns="45720" numCol="1" anchor="t" anchorCtr="0" compatLnSpc="1">
-            <a:prstTxWarp prst="textNoShape">
-              <a:avLst/>
-            </a:prstTxWarp>
-          </a:bodyPr>
-          <a:lstStyle/>
-          <a:p>
-            <a:endParaRPr lang="en-US"/>
-          </a:p>
-        </p:txBody>
-      </p:sp>
-      <p:sp>
-        <p:nvSpPr>
-          <p:cNvPr id="7" name="CaixaDeTexto 6">
-            <a:extLst>
-              <a:ext uri="{FF2B5EF4-FFF2-40B4-BE49-F238E27FC236}">
-                <a16:creationId xmlns:a16="http://schemas.microsoft.com/office/drawing/2014/main" id="{58FEFD86-B731-8EC7-BEF0-EBDE2992E4CA}"/>
-              </a:ext>
-            </a:extLst>
-          </p:cNvPr>
-          <p:cNvSpPr txBox="1"/>
-          <p:nvPr/>
-        </p:nvSpPr>
-        <p:spPr>
-          <a:xfrm>
-            <a:off x="7373670" y="845634"/>
-            <a:ext cx="4052341" cy="2000548"/>
-          </a:xfrm>
-          <a:prstGeom prst="rect">
-            <a:avLst/>
-          </a:prstGeom>
-          <a:noFill/>
-        </p:spPr>
-        <p:txBody>
-          <a:bodyPr wrap="square" rtlCol="0">
-            <a:spAutoFit/>
-          </a:bodyPr>
-          <a:lstStyle/>
-          <a:p>
-            <a:r>
-              <a:rPr lang="en-US" sz="2400" b="1" dirty="0" err="1"/>
-              <a:t>Projeto</a:t>
-            </a:r>
-            <a:r>
-              <a:rPr lang="en-US" sz="2400" b="1" dirty="0"/>
-              <a:t> 1</a:t>
-            </a:r>
-          </a:p>
-          <a:p>
-            <a:pPr marL="171450" indent="-171450">
-              <a:buFont typeface="Arial" panose="020B0604020202020204" pitchFamily="34" charset="0"/>
-              <a:buChar char="•"/>
-            </a:pPr>
-            <a:r>
-              <a:rPr lang="en-US" sz="2000" dirty="0" err="1"/>
-              <a:t>SpringBoot</a:t>
-            </a:r>
-            <a:r>
-              <a:rPr lang="en-US" sz="2000" dirty="0"/>
-              <a:t> Api </a:t>
-            </a:r>
-            <a:r>
-              <a:rPr lang="en-US" sz="2000" dirty="0" err="1"/>
-              <a:t>Sincronas</a:t>
-            </a:r>
-            <a:endParaRPr lang="en-US" sz="2000" dirty="0"/>
-          </a:p>
-          <a:p>
-            <a:pPr marL="171450" indent="-171450">
-              <a:buFont typeface="Arial" panose="020B0604020202020204" pitchFamily="34" charset="0"/>
-              <a:buChar char="•"/>
-            </a:pPr>
-            <a:r>
-              <a:rPr lang="en-US" sz="2000" dirty="0"/>
-              <a:t>Banco de Dados </a:t>
-            </a:r>
-            <a:r>
-              <a:rPr lang="en-US" sz="2000" dirty="0" err="1"/>
-              <a:t>Posgres</a:t>
-            </a:r>
-            <a:endParaRPr lang="en-US" sz="2000" dirty="0"/>
-          </a:p>
-          <a:p>
-            <a:pPr marL="171450" indent="-171450">
-              <a:buFont typeface="Arial" panose="020B0604020202020204" pitchFamily="34" charset="0"/>
-              <a:buChar char="•"/>
-            </a:pPr>
-            <a:r>
-              <a:rPr lang="en-US" sz="2000" dirty="0"/>
-              <a:t>Docker</a:t>
-            </a:r>
-          </a:p>
-          <a:p>
-            <a:pPr marL="171450" indent="-171450">
-              <a:buFont typeface="Arial" panose="020B0604020202020204" pitchFamily="34" charset="0"/>
-              <a:buChar char="•"/>
-            </a:pPr>
-            <a:r>
-              <a:rPr lang="en-US" sz="2000" dirty="0"/>
-              <a:t>Docker-compose</a:t>
-            </a:r>
-          </a:p>
-          <a:p>
-            <a:endParaRPr lang="en-US" sz="2000" dirty="0"/>
-          </a:p>
-        </p:txBody>
-      </p:sp>
-      <p:grpSp>
-        <p:nvGrpSpPr>
-          <p:cNvPr id="21" name="Agrupar 20">
-            <a:extLst>
-              <a:ext uri="{FF2B5EF4-FFF2-40B4-BE49-F238E27FC236}">
-                <a16:creationId xmlns:a16="http://schemas.microsoft.com/office/drawing/2014/main" id="{3330F240-93B9-60C5-8312-5A189786A992}"/>
-              </a:ext>
-            </a:extLst>
-          </p:cNvPr>
-          <p:cNvGrpSpPr/>
-          <p:nvPr/>
-        </p:nvGrpSpPr>
-        <p:grpSpPr>
-          <a:xfrm>
-            <a:off x="7373670" y="2591750"/>
-            <a:ext cx="3235415" cy="2840138"/>
-            <a:chOff x="7373670" y="2833075"/>
-            <a:chExt cx="2105025" cy="1847850"/>
-          </a:xfrm>
-        </p:grpSpPr>
-        <p:pic>
-          <p:nvPicPr>
-            <p:cNvPr id="17" name="Imagem 16" descr="Interface gráfica do usuário, Texto, Aplicativo&#10;&#10;Descrição gerada automaticamente">
-              <a:extLst>
-                <a:ext uri="{FF2B5EF4-FFF2-40B4-BE49-F238E27FC236}">
-                  <a16:creationId xmlns:a16="http://schemas.microsoft.com/office/drawing/2014/main" id="{F882BE30-6B74-8B45-B222-1CF2ADC7312A}"/>
-                </a:ext>
-              </a:extLst>
-            </p:cNvPr>
-            <p:cNvPicPr>
-              <a:picLocks noChangeAspect="1"/>
-            </p:cNvPicPr>
-            <p:nvPr/>
-          </p:nvPicPr>
-          <p:blipFill>
-            <a:blip r:embed="rId3"/>
-            <a:stretch>
-              <a:fillRect/>
-            </a:stretch>
-          </p:blipFill>
-          <p:spPr>
-            <a:xfrm>
-              <a:off x="7373670" y="2833075"/>
-              <a:ext cx="2066925" cy="876300"/>
-            </a:xfrm>
-            <a:prstGeom prst="rect">
-              <a:avLst/>
-            </a:prstGeom>
-          </p:spPr>
-        </p:pic>
-        <p:pic>
-          <p:nvPicPr>
-            <p:cNvPr id="20" name="Imagem 19" descr="Interface gráfica do usuário, Texto, Aplicativo&#10;&#10;Descrição gerada automaticamente">
-              <a:extLst>
-                <a:ext uri="{FF2B5EF4-FFF2-40B4-BE49-F238E27FC236}">
-                  <a16:creationId xmlns:a16="http://schemas.microsoft.com/office/drawing/2014/main" id="{1FCDF498-7E8B-592A-7376-2A53FB8E6AE9}"/>
-                </a:ext>
-              </a:extLst>
-            </p:cNvPr>
-            <p:cNvPicPr>
-              <a:picLocks noChangeAspect="1"/>
-            </p:cNvPicPr>
-            <p:nvPr/>
-          </p:nvPicPr>
-          <p:blipFill>
-            <a:blip r:embed="rId4"/>
-            <a:stretch>
-              <a:fillRect/>
-            </a:stretch>
-          </p:blipFill>
-          <p:spPr>
-            <a:xfrm>
-              <a:off x="7373670" y="3709375"/>
-              <a:ext cx="2105025" cy="971550"/>
-            </a:xfrm>
-            <a:prstGeom prst="rect">
-              <a:avLst/>
-            </a:prstGeom>
-          </p:spPr>
-        </p:pic>
-      </p:grpSp>
-      <p:grpSp>
-        <p:nvGrpSpPr>
-          <p:cNvPr id="22" name="Agrupar 21">
-            <a:extLst>
-              <a:ext uri="{FF2B5EF4-FFF2-40B4-BE49-F238E27FC236}">
-                <a16:creationId xmlns:a16="http://schemas.microsoft.com/office/drawing/2014/main" id="{C049575C-62FE-E4FC-76B6-68DB9547DE76}"/>
-              </a:ext>
-            </a:extLst>
-          </p:cNvPr>
-          <p:cNvGrpSpPr/>
-          <p:nvPr/>
-        </p:nvGrpSpPr>
-        <p:grpSpPr>
-          <a:xfrm>
-            <a:off x="570720" y="3912359"/>
-            <a:ext cx="2392389" cy="2251586"/>
-            <a:chOff x="537622" y="1630303"/>
-            <a:chExt cx="2392389" cy="2251586"/>
-          </a:xfrm>
-        </p:grpSpPr>
-        <p:pic>
-          <p:nvPicPr>
-            <p:cNvPr id="23" name="Picture 2" descr="O que é Docker? | Mundo Docker">
-              <a:extLst>
-                <a:ext uri="{FF2B5EF4-FFF2-40B4-BE49-F238E27FC236}">
-                  <a16:creationId xmlns:a16="http://schemas.microsoft.com/office/drawing/2014/main" id="{B646D719-5859-A53D-21C0-5FE4662ABF0E}"/>
-                </a:ext>
-              </a:extLst>
-            </p:cNvPr>
-            <p:cNvPicPr>
-              <a:picLocks noChangeAspect="1" noChangeArrowheads="1"/>
-            </p:cNvPicPr>
-            <p:nvPr/>
-          </p:nvPicPr>
-          <p:blipFill>
-            <a:blip r:embed="rId5">
-              <a:extLst>
-                <a:ext uri="{28A0092B-C50C-407E-A947-70E740481C1C}">
-                  <a14:useLocalDpi xmlns:a14="http://schemas.microsoft.com/office/drawing/2010/main" val="0"/>
-                </a:ext>
-              </a:extLst>
-            </a:blip>
-            <a:srcRect/>
-            <a:stretch>
-              <a:fillRect/>
-            </a:stretch>
-          </p:blipFill>
-          <p:spPr bwMode="auto">
-            <a:xfrm>
-              <a:off x="2015764" y="3020828"/>
-              <a:ext cx="852488" cy="726193"/>
-            </a:xfrm>
-            <a:prstGeom prst="rect">
-              <a:avLst/>
-            </a:prstGeom>
-            <a:noFill/>
-            <a:extLst>
-              <a:ext uri="{909E8E84-426E-40DD-AFC4-6F175D3DCCD1}">
-                <a14:hiddenFill xmlns:a14="http://schemas.microsoft.com/office/drawing/2010/main">
-                  <a:solidFill>
-                    <a:srgbClr val="FFFFFF"/>
-                  </a:solidFill>
-                </a14:hiddenFill>
-              </a:ext>
-            </a:extLst>
-          </p:spPr>
-        </p:pic>
-        <p:pic>
-          <p:nvPicPr>
-            <p:cNvPr id="24" name="Picture 6" descr="How to Build a Rest API using Spring Boot | by Anup Sarkar | Medium">
-              <a:extLst>
-                <a:ext uri="{FF2B5EF4-FFF2-40B4-BE49-F238E27FC236}">
-                  <a16:creationId xmlns:a16="http://schemas.microsoft.com/office/drawing/2014/main" id="{A40D08A2-EACB-2211-46A1-614344C5A41C}"/>
-                </a:ext>
-              </a:extLst>
-            </p:cNvPr>
-            <p:cNvPicPr>
-              <a:picLocks noChangeAspect="1" noChangeArrowheads="1"/>
-            </p:cNvPicPr>
-            <p:nvPr/>
-          </p:nvPicPr>
-          <p:blipFill>
-            <a:blip r:embed="rId6">
-              <a:extLst>
-                <a:ext uri="{28A0092B-C50C-407E-A947-70E740481C1C}">
-                  <a14:useLocalDpi xmlns:a14="http://schemas.microsoft.com/office/drawing/2010/main" val="0"/>
-                </a:ext>
-              </a:extLst>
-            </a:blip>
-            <a:srcRect/>
-            <a:stretch>
-              <a:fillRect/>
-            </a:stretch>
-          </p:blipFill>
-          <p:spPr bwMode="auto">
-            <a:xfrm>
-              <a:off x="649464" y="2032545"/>
-              <a:ext cx="2098880" cy="816231"/>
-            </a:xfrm>
-            <a:prstGeom prst="rect">
-              <a:avLst/>
-            </a:prstGeom>
-            <a:noFill/>
-            <a:extLst>
-              <a:ext uri="{909E8E84-426E-40DD-AFC4-6F175D3DCCD1}">
-                <a14:hiddenFill xmlns:a14="http://schemas.microsoft.com/office/drawing/2010/main">
-                  <a:solidFill>
-                    <a:srgbClr val="FFFFFF"/>
-                  </a:solidFill>
-                </a14:hiddenFill>
-              </a:ext>
-            </a:extLst>
-          </p:spPr>
-        </p:pic>
-        <p:sp>
-          <p:nvSpPr>
-            <p:cNvPr id="25" name="CaixaDeTexto 24">
-              <a:extLst>
-                <a:ext uri="{FF2B5EF4-FFF2-40B4-BE49-F238E27FC236}">
-                  <a16:creationId xmlns:a16="http://schemas.microsoft.com/office/drawing/2014/main" id="{A3398D39-B0E5-55DD-BBF4-12C9965B3E1A}"/>
-                </a:ext>
-              </a:extLst>
-            </p:cNvPr>
-            <p:cNvSpPr txBox="1"/>
-            <p:nvPr/>
-          </p:nvSpPr>
-          <p:spPr>
-            <a:xfrm>
-              <a:off x="745017" y="2672751"/>
-              <a:ext cx="1880900" cy="369332"/>
-            </a:xfrm>
-            <a:prstGeom prst="rect">
-              <a:avLst/>
-            </a:prstGeom>
-            <a:noFill/>
-          </p:spPr>
-          <p:txBody>
-            <a:bodyPr wrap="none" rtlCol="0">
-              <a:spAutoFit/>
-            </a:bodyPr>
-            <a:lstStyle/>
-            <a:p>
-              <a:r>
-                <a:rPr lang="pt-BR" dirty="0" err="1"/>
-                <a:t>Notifications.war</a:t>
-              </a:r>
-              <a:endParaRPr lang="en-US" dirty="0"/>
-            </a:p>
-          </p:txBody>
-        </p:sp>
-        <p:sp>
-          <p:nvSpPr>
-            <p:cNvPr id="26" name="Fluxograma: Processo 25">
-              <a:extLst>
-                <a:ext uri="{FF2B5EF4-FFF2-40B4-BE49-F238E27FC236}">
-                  <a16:creationId xmlns:a16="http://schemas.microsoft.com/office/drawing/2014/main" id="{2C036A95-043D-9ACF-DFBF-D14701FC73B6}"/>
-                </a:ext>
-              </a:extLst>
-            </p:cNvPr>
-            <p:cNvSpPr/>
-            <p:nvPr/>
-          </p:nvSpPr>
-          <p:spPr>
-            <a:xfrm>
-              <a:off x="537622" y="1630303"/>
-              <a:ext cx="2392389" cy="2251586"/>
-            </a:xfrm>
-            <a:prstGeom prst="flowChartProcess">
-              <a:avLst/>
-            </a:prstGeom>
-            <a:noFill/>
-          </p:spPr>
-          <p:style>
-            <a:lnRef idx="2">
-              <a:schemeClr val="accent1">
-                <a:shade val="15000"/>
-              </a:schemeClr>
-            </a:lnRef>
-            <a:fillRef idx="1">
-              <a:schemeClr val="accent1"/>
-            </a:fillRef>
-            <a:effectRef idx="0">
-              <a:schemeClr val="accent1"/>
-            </a:effectRef>
-            <a:fontRef idx="minor">
-              <a:schemeClr val="lt1"/>
-            </a:fontRef>
-          </p:style>
-          <p:txBody>
-            <a:bodyPr rtlCol="0" anchor="ctr"/>
-            <a:lstStyle/>
-            <a:p>
-              <a:pPr algn="r"/>
-              <a:endParaRPr lang="en-US" dirty="0"/>
-            </a:p>
-          </p:txBody>
-        </p:sp>
-      </p:grpSp>
-      <p:grpSp>
-        <p:nvGrpSpPr>
-          <p:cNvPr id="34" name="Agrupar 33">
-            <a:extLst>
-              <a:ext uri="{FF2B5EF4-FFF2-40B4-BE49-F238E27FC236}">
-                <a16:creationId xmlns:a16="http://schemas.microsoft.com/office/drawing/2014/main" id="{F7014826-1837-7D91-CDE2-495D3EF3A73A}"/>
-              </a:ext>
-            </a:extLst>
-          </p:cNvPr>
-          <p:cNvGrpSpPr/>
-          <p:nvPr/>
-        </p:nvGrpSpPr>
-        <p:grpSpPr>
-          <a:xfrm>
-            <a:off x="3508648" y="3901559"/>
-            <a:ext cx="2392389" cy="2251586"/>
-            <a:chOff x="3154691" y="1630303"/>
-            <a:chExt cx="2392389" cy="2251586"/>
-          </a:xfrm>
-        </p:grpSpPr>
-        <p:grpSp>
-          <p:nvGrpSpPr>
-            <p:cNvPr id="33" name="Agrupar 32">
-              <a:extLst>
-                <a:ext uri="{FF2B5EF4-FFF2-40B4-BE49-F238E27FC236}">
-                  <a16:creationId xmlns:a16="http://schemas.microsoft.com/office/drawing/2014/main" id="{EEABA830-061D-D0D4-4DE1-ED996ACC2292}"/>
-                </a:ext>
-              </a:extLst>
-            </p:cNvPr>
-            <p:cNvGrpSpPr/>
-            <p:nvPr/>
-          </p:nvGrpSpPr>
-          <p:grpSpPr>
-            <a:xfrm>
-              <a:off x="3320230" y="1811316"/>
-              <a:ext cx="1170035" cy="1487287"/>
-              <a:chOff x="3320230" y="1811316"/>
-              <a:chExt cx="1170035" cy="1487287"/>
-            </a:xfrm>
-          </p:grpSpPr>
-          <p:sp>
-            <p:nvSpPr>
-              <p:cNvPr id="31" name="Fluxograma: Disco Magnético 30">
-                <a:extLst>
-                  <a:ext uri="{FF2B5EF4-FFF2-40B4-BE49-F238E27FC236}">
-                    <a16:creationId xmlns:a16="http://schemas.microsoft.com/office/drawing/2014/main" id="{BD95EFC9-4D55-6794-77D0-8730DC39A8B6}"/>
-                  </a:ext>
-                </a:extLst>
-              </p:cNvPr>
-              <p:cNvSpPr/>
-              <p:nvPr/>
-            </p:nvSpPr>
-            <p:spPr>
-              <a:xfrm>
-                <a:off x="3320230" y="1811316"/>
-                <a:ext cx="1170035" cy="1487287"/>
-              </a:xfrm>
-              <a:prstGeom prst="flowChartMagneticDisk">
-                <a:avLst/>
-              </a:prstGeom>
-              <a:solidFill>
-                <a:schemeClr val="bg1"/>
-              </a:solidFill>
-            </p:spPr>
-            <p:style>
-              <a:lnRef idx="2">
-                <a:schemeClr val="accent1">
-                  <a:shade val="15000"/>
-                </a:schemeClr>
-              </a:lnRef>
-              <a:fillRef idx="1">
-                <a:schemeClr val="accent1"/>
-              </a:fillRef>
-              <a:effectRef idx="0">
-                <a:schemeClr val="accent1"/>
-              </a:effectRef>
-              <a:fontRef idx="minor">
-                <a:schemeClr val="lt1"/>
-              </a:fontRef>
-            </p:style>
-            <p:txBody>
-              <a:bodyPr rtlCol="0" anchor="ctr"/>
-              <a:lstStyle/>
-              <a:p>
-                <a:pPr algn="r"/>
-                <a:endParaRPr lang="en-US"/>
-              </a:p>
-            </p:txBody>
-          </p:sp>
-          <p:pic>
-            <p:nvPicPr>
-              <p:cNvPr id="32" name="Picture 8" descr="Self-service Business Intelligence for PostgreSQL - Holistics |  Self-service BI Platform">
-                <a:extLst>
-                  <a:ext uri="{FF2B5EF4-FFF2-40B4-BE49-F238E27FC236}">
-                    <a16:creationId xmlns:a16="http://schemas.microsoft.com/office/drawing/2014/main" id="{E961A8DA-6503-DE71-B322-91A2DBE84915}"/>
-                  </a:ext>
-                </a:extLst>
-              </p:cNvPr>
-              <p:cNvPicPr>
-                <a:picLocks noChangeAspect="1" noChangeArrowheads="1"/>
-              </p:cNvPicPr>
-              <p:nvPr/>
-            </p:nvPicPr>
-            <p:blipFill>
-              <a:blip r:embed="rId7">
-                <a:extLst>
-                  <a:ext uri="{28A0092B-C50C-407E-A947-70E740481C1C}">
-                    <a14:useLocalDpi xmlns:a14="http://schemas.microsoft.com/office/drawing/2010/main" val="0"/>
-                  </a:ext>
-                </a:extLst>
-              </a:blip>
-              <a:srcRect/>
-              <a:stretch>
-                <a:fillRect/>
-              </a:stretch>
-            </p:blipFill>
-            <p:spPr bwMode="auto">
-              <a:xfrm>
-                <a:off x="3429195" y="2353398"/>
-                <a:ext cx="1002078" cy="808300"/>
-              </a:xfrm>
-              <a:prstGeom prst="rect">
-                <a:avLst/>
-              </a:prstGeom>
-              <a:noFill/>
-              <a:extLst>
-                <a:ext uri="{909E8E84-426E-40DD-AFC4-6F175D3DCCD1}">
-                  <a14:hiddenFill xmlns:a14="http://schemas.microsoft.com/office/drawing/2010/main">
-                    <a:solidFill>
-                      <a:srgbClr val="FFFFFF"/>
-                    </a:solidFill>
-                  </a14:hiddenFill>
-                </a:ext>
-              </a:extLst>
-            </p:spPr>
-          </p:pic>
-        </p:grpSp>
-        <p:pic>
-          <p:nvPicPr>
-            <p:cNvPr id="29" name="Picture 2" descr="O que é Docker? | Mundo Docker">
-              <a:extLst>
-                <a:ext uri="{FF2B5EF4-FFF2-40B4-BE49-F238E27FC236}">
-                  <a16:creationId xmlns:a16="http://schemas.microsoft.com/office/drawing/2014/main" id="{CFC50A15-44EA-FA56-02E6-76075F7758E2}"/>
-                </a:ext>
-              </a:extLst>
-            </p:cNvPr>
-            <p:cNvPicPr>
-              <a:picLocks noChangeAspect="1" noChangeArrowheads="1"/>
-            </p:cNvPicPr>
-            <p:nvPr/>
-          </p:nvPicPr>
-          <p:blipFill>
-            <a:blip r:embed="rId5">
-              <a:extLst>
-                <a:ext uri="{28A0092B-C50C-407E-A947-70E740481C1C}">
-                  <a14:useLocalDpi xmlns:a14="http://schemas.microsoft.com/office/drawing/2010/main" val="0"/>
-                </a:ext>
-              </a:extLst>
-            </a:blip>
-            <a:srcRect/>
-            <a:stretch>
-              <a:fillRect/>
-            </a:stretch>
-          </p:blipFill>
-          <p:spPr bwMode="auto">
-            <a:xfrm>
-              <a:off x="4632833" y="3020828"/>
-              <a:ext cx="852488" cy="726193"/>
-            </a:xfrm>
-            <a:prstGeom prst="rect">
-              <a:avLst/>
-            </a:prstGeom>
-            <a:noFill/>
-            <a:extLst>
-              <a:ext uri="{909E8E84-426E-40DD-AFC4-6F175D3DCCD1}">
-                <a14:hiddenFill xmlns:a14="http://schemas.microsoft.com/office/drawing/2010/main">
-                  <a:solidFill>
-                    <a:srgbClr val="FFFFFF"/>
-                  </a:solidFill>
-                </a14:hiddenFill>
-              </a:ext>
-            </a:extLst>
-          </p:spPr>
-        </p:pic>
-        <p:sp>
-          <p:nvSpPr>
-            <p:cNvPr id="30" name="Fluxograma: Processo 29">
-              <a:extLst>
-                <a:ext uri="{FF2B5EF4-FFF2-40B4-BE49-F238E27FC236}">
-                  <a16:creationId xmlns:a16="http://schemas.microsoft.com/office/drawing/2014/main" id="{67305F1A-7B7F-49BB-749D-9A7182B3BEC9}"/>
-                </a:ext>
-              </a:extLst>
-            </p:cNvPr>
-            <p:cNvSpPr/>
-            <p:nvPr/>
-          </p:nvSpPr>
-          <p:spPr>
-            <a:xfrm>
-              <a:off x="3154691" y="1630303"/>
-              <a:ext cx="2392389" cy="2251586"/>
-            </a:xfrm>
-            <a:prstGeom prst="flowChartProcess">
-              <a:avLst/>
-            </a:prstGeom>
-            <a:noFill/>
-          </p:spPr>
-          <p:style>
-            <a:lnRef idx="2">
-              <a:schemeClr val="accent1">
-                <a:shade val="15000"/>
-              </a:schemeClr>
-            </a:lnRef>
-            <a:fillRef idx="1">
-              <a:schemeClr val="accent1"/>
-            </a:fillRef>
-            <a:effectRef idx="0">
-              <a:schemeClr val="accent1"/>
-            </a:effectRef>
-            <a:fontRef idx="minor">
-              <a:schemeClr val="lt1"/>
-            </a:fontRef>
-          </p:style>
-          <p:txBody>
-            <a:bodyPr rtlCol="0" anchor="ctr"/>
-            <a:lstStyle/>
-            <a:p>
-              <a:pPr algn="r"/>
-              <a:endParaRPr lang="en-US" dirty="0"/>
-            </a:p>
-          </p:txBody>
-        </p:sp>
-      </p:grpSp>
-    </p:spTree>
-    <p:extLst>
-      <p:ext uri="{BB962C8B-B14F-4D97-AF65-F5344CB8AC3E}">
-        <p14:creationId xmlns:p14="http://schemas.microsoft.com/office/powerpoint/2010/main" val="804599021"/>
-      </p:ext>
-    </p:extLst>
-  </p:cSld>
-  <p:clrMapOvr>
-    <a:masterClrMapping/>
-  </p:clrMapOvr>
-</p:sld>
-</file>
-
-<file path=ppt/slides/slide3.xml><?xml version="1.0" encoding="utf-8"?>
 <p:sld xmlns:a="http://schemas.openxmlformats.org/drawingml/2006/main" xmlns:r="http://schemas.openxmlformats.org/officeDocument/2006/relationships" xmlns:p="http://schemas.openxmlformats.org/presentationml/2006/main">
   <p:cSld>
     <p:spTree>
@@ -6689,7 +5891,7 @@
 </p:sld>
 </file>
 
-<file path=ppt/slides/slide4.xml><?xml version="1.0" encoding="utf-8"?>
+<file path=ppt/slides/slide3.xml><?xml version="1.0" encoding="utf-8"?>
 <p:sld xmlns:a="http://schemas.openxmlformats.org/drawingml/2006/main" xmlns:r="http://schemas.openxmlformats.org/officeDocument/2006/relationships" xmlns:p="http://schemas.openxmlformats.org/presentationml/2006/main">
   <p:cSld>
     <p:spTree>
@@ -7364,7 +6566,7 @@
 </p:sld>
 </file>
 
-<file path=ppt/slides/slide5.xml><?xml version="1.0" encoding="utf-8"?>
+<file path=ppt/slides/slide4.xml><?xml version="1.0" encoding="utf-8"?>
 <p:sld xmlns:a="http://schemas.openxmlformats.org/drawingml/2006/main" xmlns:r="http://schemas.openxmlformats.org/officeDocument/2006/relationships" xmlns:p="http://schemas.openxmlformats.org/presentationml/2006/main">
   <p:cSld>
     <p:bg>
@@ -8749,15 +7951,6 @@
 </file>
 
 <file path=customXml/item2.xml><?xml version="1.0" encoding="utf-8"?>
-<?mso-contentType ?>
-<FormTemplates xmlns="http://schemas.microsoft.com/sharepoint/v3/contenttype/forms">
-  <Display>DocumentLibraryForm</Display>
-  <Edit>DocumentLibraryForm</Edit>
-  <New>DocumentLibraryForm</New>
-</FormTemplates>
-</file>
-
-<file path=customXml/item3.xml><?xml version="1.0" encoding="utf-8"?>
 <ct:contentTypeSchema xmlns:ct="http://schemas.microsoft.com/office/2006/metadata/contentType" xmlns:ma="http://schemas.microsoft.com/office/2006/metadata/properties/metaAttributes" ct:_="" ma:_="" ma:contentTypeName="Document" ma:contentTypeID="0x01010079F111ED35F8CC479449609E8A0923A6" ma:contentTypeVersion="27" ma:contentTypeDescription="Create a new document." ma:contentTypeScope="" ma:versionID="c6f9a84f66a9c8b9a21755b9ffafb945">
   <xsd:schema xmlns:xsd="http://www.w3.org/2001/XMLSchema" xmlns:xs="http://www.w3.org/2001/XMLSchema" xmlns:p="http://schemas.microsoft.com/office/2006/metadata/properties" xmlns:ns1="http://schemas.microsoft.com/sharepoint/v3" xmlns:ns2="71af3243-3dd4-4a8d-8c0d-dd76da1f02a5" xmlns:ns3="16c05727-aa75-4e4a-9b5f-8a80a1165891" xmlns:ns4="230e9df3-be65-4c73-a93b-d1236ebd677e" targetNamespace="http://schemas.microsoft.com/office/2006/metadata/properties" ma:root="true" ma:fieldsID="27df39e3e7036dff54f89ddd5805ce72" ns1:_="" ns2:_="" ns3:_="" ns4:_="">
     <xsd:import namespace="http://schemas.microsoft.com/sharepoint/v3"/>
@@ -9063,6 +8256,15 @@
 </ct:contentTypeSchema>
 </file>
 
+<file path=customXml/item3.xml><?xml version="1.0" encoding="utf-8"?>
+<?mso-contentType ?>
+<FormTemplates xmlns="http://schemas.microsoft.com/sharepoint/v3/contenttype/forms">
+  <Display>DocumentLibraryForm</Display>
+  <Edit>DocumentLibraryForm</Edit>
+  <New>DocumentLibraryForm</New>
+</FormTemplates>
+</file>
+
 <file path=customXml/itemProps1.xml><?xml version="1.0" encoding="utf-8"?>
 <ds:datastoreItem xmlns:ds="http://schemas.openxmlformats.org/officeDocument/2006/customXml" ds:itemID="{3791575F-4C21-47C4-8D13-EB9BE66B536F}">
   <ds:schemaRefs>
@@ -9076,14 +8278,6 @@
 </file>
 
 <file path=customXml/itemProps2.xml><?xml version="1.0" encoding="utf-8"?>
-<ds:datastoreItem xmlns:ds="http://schemas.openxmlformats.org/officeDocument/2006/customXml" ds:itemID="{342D3C2F-55A5-48C0-9D5A-95C7FF0389D0}">
-  <ds:schemaRefs>
-    <ds:schemaRef ds:uri="http://schemas.microsoft.com/sharepoint/v3/contenttype/forms"/>
-  </ds:schemaRefs>
-</ds:datastoreItem>
-</file>
-
-<file path=customXml/itemProps3.xml><?xml version="1.0" encoding="utf-8"?>
 <ds:datastoreItem xmlns:ds="http://schemas.openxmlformats.org/officeDocument/2006/customXml" ds:itemID="{792209EB-3212-4116-B574-D1F56C7C4922}">
   <ds:schemaRefs>
     <ds:schemaRef ds:uri="http://schemas.microsoft.com/office/2006/metadata/contentType"/>
@@ -9102,4 +8296,12 @@
     <ds:schemaRef ds:uri="http://schemas.microsoft.com/internal/obd"/>
   </ds:schemaRefs>
 </ds:datastoreItem>
+</file>
+
+<file path=customXml/itemProps3.xml><?xml version="1.0" encoding="utf-8"?>
+<ds:datastoreItem xmlns:ds="http://schemas.openxmlformats.org/officeDocument/2006/customXml" ds:itemID="{342D3C2F-55A5-48C0-9D5A-95C7FF0389D0}">
+  <ds:schemaRefs>
+    <ds:schemaRef ds:uri="http://schemas.microsoft.com/sharepoint/v3/contenttype/forms"/>
+  </ds:schemaRefs>
+</ds:datastoreItem>
 </file>
--- a/docs/Notifications Webflux Reative App.pptx
+++ b/docs/Notifications Webflux Reative App.pptx
@@ -218,7 +218,7 @@
           <a:p>
             <a:fld id="{AF869721-F543-4A6C-BF9D-65D7CC540427}" type="datetimeFigureOut">
               <a:rPr lang="en-US" smtClean="0"/>
-              <a:t>5/14/2024</a:t>
+              <a:t>5/19/2024</a:t>
             </a:fld>
             <a:endParaRPr lang="en-US" dirty="0"/>
           </a:p>
@@ -395,7 +395,7 @@
           <a:p>
             <a:fld id="{C732326A-4C88-4AFB-AA5B-5919D81DFF5B}" type="datetimeFigureOut">
               <a:rPr lang="en-US" smtClean="0"/>
-              <a:t>5/14/2024</a:t>
+              <a:t>5/19/2024</a:t>
             </a:fld>
             <a:endParaRPr lang="en-US" dirty="0"/>
           </a:p>
@@ -1076,7 +1076,7 @@
             <a:fld id="{B61BEF0D-F0BB-DE4B-95CE-6DB70DBA9567}" type="datetimeFigureOut">
               <a:rPr lang="en-US" smtClean="0"/>
               <a:pPr/>
-              <a:t>5/14/2024</a:t>
+              <a:t>5/19/2024</a:t>
             </a:fld>
             <a:endParaRPr lang="en-US" dirty="0"/>
           </a:p>
@@ -1340,7 +1340,7 @@
             <a:fld id="{B61BEF0D-F0BB-DE4B-95CE-6DB70DBA9567}" type="datetimeFigureOut">
               <a:rPr lang="en-US" smtClean="0"/>
               <a:pPr/>
-              <a:t>5/14/2024</a:t>
+              <a:t>5/19/2024</a:t>
             </a:fld>
             <a:endParaRPr lang="en-US" dirty="0"/>
           </a:p>
@@ -1577,7 +1577,7 @@
             <a:fld id="{B61BEF0D-F0BB-DE4B-95CE-6DB70DBA9567}" type="datetimeFigureOut">
               <a:rPr lang="en-US" smtClean="0"/>
               <a:pPr/>
-              <a:t>5/14/2024</a:t>
+              <a:t>5/19/2024</a:t>
             </a:fld>
             <a:endParaRPr lang="en-US" dirty="0"/>
           </a:p>
@@ -1819,7 +1819,7 @@
             <a:fld id="{B61BEF0D-F0BB-DE4B-95CE-6DB70DBA9567}" type="datetimeFigureOut">
               <a:rPr lang="en-US" smtClean="0"/>
               <a:pPr/>
-              <a:t>5/14/2024</a:t>
+              <a:t>5/19/2024</a:t>
             </a:fld>
             <a:endParaRPr lang="en-US" dirty="0"/>
           </a:p>
@@ -2128,7 +2128,7 @@
             <a:fld id="{B61BEF0D-F0BB-DE4B-95CE-6DB70DBA9567}" type="datetimeFigureOut">
               <a:rPr lang="en-US" smtClean="0"/>
               <a:pPr/>
-              <a:t>5/14/2024</a:t>
+              <a:t>5/19/2024</a:t>
             </a:fld>
             <a:endParaRPr lang="en-US" dirty="0"/>
           </a:p>
@@ -2432,7 +2432,7 @@
             <a:fld id="{B61BEF0D-F0BB-DE4B-95CE-6DB70DBA9567}" type="datetimeFigureOut">
               <a:rPr lang="en-US" smtClean="0"/>
               <a:pPr/>
-              <a:t>5/14/2024</a:t>
+              <a:t>5/19/2024</a:t>
             </a:fld>
             <a:endParaRPr lang="en-US" dirty="0"/>
           </a:p>
@@ -2856,7 +2856,7 @@
             <a:fld id="{B61BEF0D-F0BB-DE4B-95CE-6DB70DBA9567}" type="datetimeFigureOut">
               <a:rPr lang="en-US" smtClean="0"/>
               <a:pPr/>
-              <a:t>5/14/2024</a:t>
+              <a:t>5/19/2024</a:t>
             </a:fld>
             <a:endParaRPr lang="en-US" dirty="0"/>
           </a:p>
@@ -2953,7 +2953,7 @@
             <a:fld id="{B61BEF0D-F0BB-DE4B-95CE-6DB70DBA9567}" type="datetimeFigureOut">
               <a:rPr lang="en-US" smtClean="0"/>
               <a:pPr/>
-              <a:t>5/14/2024</a:t>
+              <a:t>5/19/2024</a:t>
             </a:fld>
             <a:endParaRPr lang="en-US" dirty="0"/>
           </a:p>
@@ -3117,7 +3117,7 @@
             <a:fld id="{B61BEF0D-F0BB-DE4B-95CE-6DB70DBA9567}" type="datetimeFigureOut">
               <a:rPr lang="en-US" smtClean="0"/>
               <a:pPr/>
-              <a:t>5/14/2024</a:t>
+              <a:t>5/19/2024</a:t>
             </a:fld>
             <a:endParaRPr lang="en-US" dirty="0"/>
           </a:p>
@@ -3497,7 +3497,7 @@
             <a:fld id="{B61BEF0D-F0BB-DE4B-95CE-6DB70DBA9567}" type="datetimeFigureOut">
               <a:rPr lang="en-US" smtClean="0"/>
               <a:pPr/>
-              <a:t>5/14/2024</a:t>
+              <a:t>5/19/2024</a:t>
             </a:fld>
             <a:endParaRPr lang="en-US" dirty="0"/>
           </a:p>
@@ -3788,7 +3788,7 @@
             <a:fld id="{B61BEF0D-F0BB-DE4B-95CE-6DB70DBA9567}" type="datetimeFigureOut">
               <a:rPr lang="en-US" smtClean="0"/>
               <a:pPr/>
-              <a:t>5/14/2024</a:t>
+              <a:t>5/19/2024</a:t>
             </a:fld>
             <a:endParaRPr lang="en-US" dirty="0"/>
           </a:p>
@@ -4001,7 +4001,7 @@
             <a:fld id="{B61BEF0D-F0BB-DE4B-95CE-6DB70DBA9567}" type="datetimeFigureOut">
               <a:rPr lang="en-US" smtClean="0"/>
               <a:pPr/>
-              <a:t>5/14/2024</a:t>
+              <a:t>5/19/2024</a:t>
             </a:fld>
             <a:endParaRPr lang="en-US" dirty="0"/>
           </a:p>
@@ -5200,7 +5200,7 @@
             <a:bodyPr rtlCol="0" anchor="ctr"/>
             <a:lstStyle/>
             <a:p>
-              <a:pPr algn="ctr"/>
+              <a:pPr algn="r"/>
               <a:endParaRPr lang="en-US" dirty="0"/>
             </a:p>
           </p:txBody>
@@ -5208,10 +5208,10 @@
       </p:grpSp>
       <p:grpSp>
         <p:nvGrpSpPr>
-          <p:cNvPr id="16" name="Agrupar 15">
+          <p:cNvPr id="7" name="Agrupar 6">
             <a:extLst>
               <a:ext uri="{FF2B5EF4-FFF2-40B4-BE49-F238E27FC236}">
-                <a16:creationId xmlns:a16="http://schemas.microsoft.com/office/drawing/2014/main" id="{7D975E43-4499-7AF3-8C4B-42DEC69DF6D0}"/>
+                <a16:creationId xmlns:a16="http://schemas.microsoft.com/office/drawing/2014/main" id="{B09E8D02-332B-E0A9-6CBB-8839662AE640}"/>
               </a:ext>
             </a:extLst>
           </p:cNvPr>
@@ -5222,7 +5222,7 @@
           <a:xfrm>
             <a:off x="3587722" y="3878380"/>
             <a:ext cx="2392389" cy="2251586"/>
-            <a:chOff x="3458380" y="1680431"/>
+            <a:chOff x="3587722" y="3878380"/>
             <a:chExt cx="2392389" cy="2251586"/>
           </a:xfrm>
         </p:grpSpPr>
@@ -5255,7 +5255,7 @@
           </p:blipFill>
           <p:spPr bwMode="auto">
             <a:xfrm>
-              <a:off x="4244045" y="1703586"/>
+              <a:off x="5074031" y="3937160"/>
               <a:ext cx="852488" cy="726193"/>
             </a:xfrm>
             <a:prstGeom prst="rect">
@@ -5287,7 +5287,7 @@
           </p:nvSpPr>
           <p:spPr>
             <a:xfrm>
-              <a:off x="3458380" y="1680431"/>
+              <a:off x="3587722" y="3878380"/>
               <a:ext cx="2392389" cy="2251586"/>
             </a:xfrm>
             <a:prstGeom prst="flowChartProcess">
@@ -5334,7 +5334,7 @@
           </p:nvGrpSpPr>
           <p:grpSpPr>
             <a:xfrm>
-              <a:off x="3489477" y="2398321"/>
+              <a:off x="3701944" y="4525020"/>
               <a:ext cx="1170035" cy="1487287"/>
               <a:chOff x="3623919" y="1861444"/>
               <a:chExt cx="1170035" cy="1487287"/>
@@ -5585,6 +5585,7 @@
             </a:bodyPr>
             <a:lstStyle/>
             <a:p>
+              <a:pPr algn="r"/>
               <a:r>
                 <a:rPr lang="en-US" sz="1200" dirty="0"/>
                 <a:t>notifications-reative-webflux.jar</a:t>
